--- a/experiments/3L/Evaluate[3.pptx
+++ b/experiments/3L/Evaluate[3.pptx
@@ -5,7 +5,7 @@
     <p:sldMasterId id="2147483648" r:id="rId1"/>
   </p:sldMasterIdLst>
   <p:handoutMasterIdLst>
-    <p:handoutMasterId r:id="rId9"/>
+    <p:handoutMasterId r:id="rId11"/>
   </p:handoutMasterIdLst>
   <p:sldIdLst>
     <p:sldId id="256" r:id="rId2"/>
@@ -14,7 +14,9 @@
     <p:sldId id="263" r:id="rId5"/>
     <p:sldId id="264" r:id="rId6"/>
     <p:sldId id="265" r:id="rId7"/>
-    <p:sldId id="266" r:id="rId8"/>
+    <p:sldId id="267" r:id="rId8"/>
+    <p:sldId id="268" r:id="rId9"/>
+    <p:sldId id="266" r:id="rId10"/>
   </p:sldIdLst>
   <p:sldSz cx="12192000" cy="6858000"/>
   <p:notesSz cx="9144000" cy="6858000"/>
@@ -215,7 +217,7 @@
           <a:p>
             <a:fld id="{3CBABE4E-40DB-4A46-ADE6-728791B5D710}" type="datetimeFigureOut">
               <a:rPr kumimoji="1" lang="ja-JP" altLang="en-US" smtClean="0"/>
-              <a:t>2020/12/3</a:t>
+              <a:t>2020/12/7</a:t>
             </a:fld>
             <a:endParaRPr kumimoji="1" lang="ja-JP" altLang="en-US"/>
           </a:p>
@@ -457,7 +459,7 @@
           <a:p>
             <a:fld id="{144D3AE8-3538-6D43-9410-E3A9F6063FF1}" type="datetimeFigureOut">
               <a:rPr kumimoji="1" lang="ja-JP" altLang="en-US" smtClean="0"/>
-              <a:t>2020/12/3</a:t>
+              <a:t>2020/12/7</a:t>
             </a:fld>
             <a:endParaRPr kumimoji="1" lang="ja-JP" altLang="en-US"/>
           </a:p>
@@ -687,7 +689,7 @@
           <a:p>
             <a:fld id="{144D3AE8-3538-6D43-9410-E3A9F6063FF1}" type="datetimeFigureOut">
               <a:rPr kumimoji="1" lang="ja-JP" altLang="en-US" smtClean="0"/>
-              <a:t>2020/12/3</a:t>
+              <a:t>2020/12/7</a:t>
             </a:fld>
             <a:endParaRPr kumimoji="1" lang="ja-JP" altLang="en-US"/>
           </a:p>
@@ -927,7 +929,7 @@
           <a:p>
             <a:fld id="{144D3AE8-3538-6D43-9410-E3A9F6063FF1}" type="datetimeFigureOut">
               <a:rPr kumimoji="1" lang="ja-JP" altLang="en-US" smtClean="0"/>
-              <a:t>2020/12/3</a:t>
+              <a:t>2020/12/7</a:t>
             </a:fld>
             <a:endParaRPr kumimoji="1" lang="ja-JP" altLang="en-US"/>
           </a:p>
@@ -1157,7 +1159,7 @@
           <a:p>
             <a:fld id="{144D3AE8-3538-6D43-9410-E3A9F6063FF1}" type="datetimeFigureOut">
               <a:rPr kumimoji="1" lang="ja-JP" altLang="en-US" smtClean="0"/>
-              <a:t>2020/12/3</a:t>
+              <a:t>2020/12/7</a:t>
             </a:fld>
             <a:endParaRPr kumimoji="1" lang="ja-JP" altLang="en-US"/>
           </a:p>
@@ -1432,7 +1434,7 @@
           <a:p>
             <a:fld id="{144D3AE8-3538-6D43-9410-E3A9F6063FF1}" type="datetimeFigureOut">
               <a:rPr kumimoji="1" lang="ja-JP" altLang="en-US" smtClean="0"/>
-              <a:t>2020/12/3</a:t>
+              <a:t>2020/12/7</a:t>
             </a:fld>
             <a:endParaRPr kumimoji="1" lang="ja-JP" altLang="en-US"/>
           </a:p>
@@ -1761,7 +1763,7 @@
           <a:p>
             <a:fld id="{144D3AE8-3538-6D43-9410-E3A9F6063FF1}" type="datetimeFigureOut">
               <a:rPr kumimoji="1" lang="ja-JP" altLang="en-US" smtClean="0"/>
-              <a:t>2020/12/3</a:t>
+              <a:t>2020/12/7</a:t>
             </a:fld>
             <a:endParaRPr kumimoji="1" lang="ja-JP" altLang="en-US"/>
           </a:p>
@@ -2237,7 +2239,7 @@
           <a:p>
             <a:fld id="{144D3AE8-3538-6D43-9410-E3A9F6063FF1}" type="datetimeFigureOut">
               <a:rPr kumimoji="1" lang="ja-JP" altLang="en-US" smtClean="0"/>
-              <a:t>2020/12/3</a:t>
+              <a:t>2020/12/7</a:t>
             </a:fld>
             <a:endParaRPr kumimoji="1" lang="ja-JP" altLang="en-US"/>
           </a:p>
@@ -2378,7 +2380,7 @@
           <a:p>
             <a:fld id="{144D3AE8-3538-6D43-9410-E3A9F6063FF1}" type="datetimeFigureOut">
               <a:rPr kumimoji="1" lang="ja-JP" altLang="en-US" smtClean="0"/>
-              <a:t>2020/12/3</a:t>
+              <a:t>2020/12/7</a:t>
             </a:fld>
             <a:endParaRPr kumimoji="1" lang="ja-JP" altLang="en-US"/>
           </a:p>
@@ -2491,7 +2493,7 @@
           <a:p>
             <a:fld id="{144D3AE8-3538-6D43-9410-E3A9F6063FF1}" type="datetimeFigureOut">
               <a:rPr kumimoji="1" lang="ja-JP" altLang="en-US" smtClean="0"/>
-              <a:t>2020/12/3</a:t>
+              <a:t>2020/12/7</a:t>
             </a:fld>
             <a:endParaRPr kumimoji="1" lang="ja-JP" altLang="en-US"/>
           </a:p>
@@ -2834,7 +2836,7 @@
           <a:p>
             <a:fld id="{144D3AE8-3538-6D43-9410-E3A9F6063FF1}" type="datetimeFigureOut">
               <a:rPr kumimoji="1" lang="ja-JP" altLang="en-US" smtClean="0"/>
-              <a:t>2020/12/3</a:t>
+              <a:t>2020/12/7</a:t>
             </a:fld>
             <a:endParaRPr kumimoji="1" lang="ja-JP" altLang="en-US"/>
           </a:p>
@@ -3122,7 +3124,7 @@
           <a:p>
             <a:fld id="{144D3AE8-3538-6D43-9410-E3A9F6063FF1}" type="datetimeFigureOut">
               <a:rPr kumimoji="1" lang="ja-JP" altLang="en-US" smtClean="0"/>
-              <a:t>2020/12/3</a:t>
+              <a:t>2020/12/7</a:t>
             </a:fld>
             <a:endParaRPr kumimoji="1" lang="ja-JP" altLang="en-US"/>
           </a:p>
@@ -3395,7 +3397,7 @@
           <a:p>
             <a:fld id="{144D3AE8-3538-6D43-9410-E3A9F6063FF1}" type="datetimeFigureOut">
               <a:rPr kumimoji="1" lang="ja-JP" altLang="en-US" smtClean="0"/>
-              <a:t>2020/12/3</a:t>
+              <a:t>2020/12/7</a:t>
             </a:fld>
             <a:endParaRPr kumimoji="1" lang="ja-JP" altLang="en-US"/>
           </a:p>
@@ -4712,9 +4714,12 @@
           <a:p>
             <a:r>
               <a:rPr lang="ja-JP" altLang="en-US"/>
-              <a:t>気づき</a:t>
-            </a:r>
-            <a:endParaRPr lang="en-US" altLang="ja-JP" dirty="0"/>
+              <a:t>気づき・感想</a:t>
+            </a:r>
+            <a:r>
+              <a:rPr lang="en-US" altLang="ja-JP" dirty="0"/>
+              <a:t>(1L)</a:t>
+            </a:r>
           </a:p>
         </p:txBody>
       </p:sp>
@@ -4744,6 +4749,378 @@
           <a:bodyPr/>
           <a:lstStyle/>
           <a:p>
+            <a:pPr lvl="1"/>
+            <a:r>
+              <a:rPr lang="ja-JP" altLang="ja-JP"/>
+              <a:t>同じファイルで、複数のモデル作成　→　テストのほうがいい？</a:t>
+            </a:r>
+          </a:p>
+          <a:p>
+            <a:pPr lvl="1"/>
+            <a:r>
+              <a:rPr lang="ja-JP" altLang="ja-JP"/>
+              <a:t>ディレクトリの名前をコード内に直打ちしなければいけない → 忘れたら大変</a:t>
+            </a:r>
+          </a:p>
+          <a:p>
+            <a:pPr lvl="1"/>
+            <a:r>
+              <a:rPr lang="ja-JP" altLang="ja-JP"/>
+              <a:t>モデルの名前をどのようにするのか？</a:t>
+            </a:r>
+          </a:p>
+          <a:p>
+            <a:pPr lvl="1"/>
+            <a:r>
+              <a:rPr lang="ja-JP" altLang="ja-JP"/>
+              <a:t>ファイル名は重複するので紛らわしい</a:t>
+            </a:r>
+          </a:p>
+          <a:p>
+            <a:pPr lvl="1"/>
+            <a:r>
+              <a:rPr lang="en-US" altLang="ja-JP" dirty="0" err="1"/>
+              <a:t>github</a:t>
+            </a:r>
+            <a:r>
+              <a:rPr lang="ja-JP" altLang="ja-JP"/>
+              <a:t>設定を</a:t>
+            </a:r>
+            <a:r>
+              <a:rPr lang="en-US" altLang="ja-JP" dirty="0" err="1"/>
+              <a:t>url</a:t>
+            </a:r>
+            <a:r>
+              <a:rPr lang="ja-JP" altLang="ja-JP"/>
+              <a:t>でできるのではないか？</a:t>
+            </a:r>
+            <a:endParaRPr lang="en-US" altLang="ja-JP" dirty="0"/>
+          </a:p>
+          <a:p>
+            <a:pPr marL="514350" indent="-514350">
+              <a:buFont typeface="+mj-lt"/>
+              <a:buAutoNum type="arabicPeriod"/>
+            </a:pPr>
+            <a:endParaRPr lang="en-US" altLang="ja-JP" dirty="0"/>
+          </a:p>
+          <a:p>
+            <a:pPr marL="514350" indent="-514350">
+              <a:buFont typeface="+mj-lt"/>
+              <a:buAutoNum type="arabicPeriod"/>
+            </a:pPr>
+            <a:endParaRPr lang="en-US" altLang="ja-JP" dirty="0"/>
+          </a:p>
+          <a:p>
+            <a:pPr marL="514350" indent="-514350">
+              <a:buFont typeface="+mj-lt"/>
+              <a:buAutoNum type="arabicPeriod"/>
+            </a:pPr>
+            <a:endParaRPr lang="en-US" altLang="ja-JP" dirty="0"/>
+          </a:p>
+          <a:p>
+            <a:pPr marL="514350" indent="-514350">
+              <a:buFont typeface="+mj-lt"/>
+              <a:buAutoNum type="arabicPeriod"/>
+            </a:pPr>
+            <a:endParaRPr lang="en" altLang="ja-JP" dirty="0"/>
+          </a:p>
+          <a:p>
+            <a:endParaRPr lang="en" altLang="ja-JP" dirty="0"/>
+          </a:p>
+          <a:p>
+            <a:endParaRPr lang="en-US" altLang="ja-JP" dirty="0"/>
+          </a:p>
+        </p:txBody>
+      </p:sp>
+    </p:spTree>
+    <p:extLst>
+      <p:ext uri="{BB962C8B-B14F-4D97-AF65-F5344CB8AC3E}">
+        <p14:creationId xmlns:p14="http://schemas.microsoft.com/office/powerpoint/2010/main" val="2151326601"/>
+      </p:ext>
+    </p:extLst>
+  </p:cSld>
+  <p:clrMapOvr>
+    <a:masterClrMapping/>
+  </p:clrMapOvr>
+</p:sld>
+</file>
+
+<file path=ppt/slides/slide8.xml><?xml version="1.0" encoding="utf-8"?>
+<p:sld xmlns:a="http://schemas.openxmlformats.org/drawingml/2006/main" xmlns:r="http://schemas.openxmlformats.org/officeDocument/2006/relationships" xmlns:p="http://schemas.openxmlformats.org/presentationml/2006/main">
+  <p:cSld>
+    <p:spTree>
+      <p:nvGrpSpPr>
+        <p:cNvPr id="1" name=""/>
+        <p:cNvGrpSpPr/>
+        <p:nvPr/>
+      </p:nvGrpSpPr>
+      <p:grpSpPr>
+        <a:xfrm>
+          <a:off x="0" y="0"/>
+          <a:ext cx="0" cy="0"/>
+          <a:chOff x="0" y="0"/>
+          <a:chExt cx="0" cy="0"/>
+        </a:xfrm>
+      </p:grpSpPr>
+      <p:sp>
+        <p:nvSpPr>
+          <p:cNvPr id="2" name="タイトル 1">
+            <a:extLst>
+              <a:ext uri="{FF2B5EF4-FFF2-40B4-BE49-F238E27FC236}">
+                <a16:creationId xmlns:a16="http://schemas.microsoft.com/office/drawing/2014/main" id="{B65B563C-1856-A64E-899E-AC7B4F9EAC3A}"/>
+              </a:ext>
+            </a:extLst>
+          </p:cNvPr>
+          <p:cNvSpPr>
+            <a:spLocks noGrp="1"/>
+          </p:cNvSpPr>
+          <p:nvPr>
+            <p:ph type="title"/>
+          </p:nvPr>
+        </p:nvSpPr>
+        <p:spPr>
+          <a:xfrm>
+            <a:off x="838199" y="365125"/>
+            <a:ext cx="9296401" cy="1325563"/>
+          </a:xfrm>
+        </p:spPr>
+        <p:txBody>
+          <a:bodyPr>
+            <a:normAutofit/>
+          </a:bodyPr>
+          <a:lstStyle/>
+          <a:p>
+            <a:r>
+              <a:rPr lang="ja-JP" altLang="en-US"/>
+              <a:t>気づき・感想</a:t>
+            </a:r>
+            <a:r>
+              <a:rPr lang="en-US" altLang="ja-JP" dirty="0"/>
+              <a:t>(2L)</a:t>
+            </a:r>
+          </a:p>
+        </p:txBody>
+      </p:sp>
+      <p:sp>
+        <p:nvSpPr>
+          <p:cNvPr id="3" name="コンテンツ プレースホルダー 2">
+            <a:extLst>
+              <a:ext uri="{FF2B5EF4-FFF2-40B4-BE49-F238E27FC236}">
+                <a16:creationId xmlns:a16="http://schemas.microsoft.com/office/drawing/2014/main" id="{4D3AC4FE-28AC-6141-81A8-A8BB610D1512}"/>
+              </a:ext>
+            </a:extLst>
+          </p:cNvPr>
+          <p:cNvSpPr>
+            <a:spLocks noGrp="1"/>
+          </p:cNvSpPr>
+          <p:nvPr>
+            <p:ph idx="1"/>
+          </p:nvPr>
+        </p:nvSpPr>
+        <p:spPr>
+          <a:xfrm>
+            <a:off x="838200" y="2506662"/>
+            <a:ext cx="10515600" cy="3589338"/>
+          </a:xfrm>
+        </p:spPr>
+        <p:txBody>
+          <a:bodyPr/>
+          <a:lstStyle/>
+          <a:p>
+            <a:pPr lvl="1"/>
+            <a:r>
+              <a:rPr lang="ja-JP" altLang="ja-JP"/>
+              <a:t>他の誤差関数でも比較してみる</a:t>
+            </a:r>
+          </a:p>
+          <a:p>
+            <a:pPr lvl="1"/>
+            <a:r>
+              <a:rPr lang="ja-JP" altLang="ja-JP"/>
+              <a:t>結果を比較する際（特に書く際）には、自分の意見は書かない！</a:t>
+            </a:r>
+          </a:p>
+          <a:p>
+            <a:pPr lvl="1"/>
+            <a:r>
+              <a:rPr lang="en-US" altLang="ja-JP" dirty="0"/>
+              <a:t>cm</a:t>
+            </a:r>
+            <a:r>
+              <a:rPr lang="ja-JP" altLang="ja-JP"/>
+              <a:t>データの収集をしたい</a:t>
+            </a:r>
+          </a:p>
+          <a:p>
+            <a:pPr lvl="1"/>
+            <a:r>
+              <a:rPr lang="ja-JP" altLang="ja-JP"/>
+              <a:t>人間が何かを分類するとき、事前知識を使って連想をしているかもしれない</a:t>
+            </a:r>
+          </a:p>
+          <a:p>
+            <a:pPr lvl="1"/>
+            <a:r>
+              <a:rPr lang="ja-JP" altLang="ja-JP"/>
+              <a:t>スタートアップをボタン一つにしたい</a:t>
+            </a:r>
+          </a:p>
+          <a:p>
+            <a:pPr lvl="2"/>
+            <a:r>
+              <a:rPr lang="ja-JP" altLang="ja-JP"/>
+              <a:t>ログを開く</a:t>
+            </a:r>
+          </a:p>
+          <a:p>
+            <a:pPr lvl="2"/>
+            <a:r>
+              <a:rPr lang="en-US" altLang="ja-JP" dirty="0"/>
+              <a:t>plan</a:t>
+            </a:r>
+            <a:r>
+              <a:rPr lang="ja-JP" altLang="ja-JP"/>
+              <a:t>を開く</a:t>
+            </a:r>
+          </a:p>
+          <a:p>
+            <a:pPr lvl="2"/>
+            <a:r>
+              <a:rPr lang="ja-JP" altLang="ja-JP"/>
+              <a:t>コードを開く</a:t>
+            </a:r>
+          </a:p>
+          <a:p>
+            <a:pPr marL="514350" indent="-514350">
+              <a:buFont typeface="+mj-lt"/>
+              <a:buAutoNum type="arabicPeriod"/>
+            </a:pPr>
+            <a:endParaRPr lang="en-US" altLang="ja-JP" dirty="0"/>
+          </a:p>
+          <a:p>
+            <a:pPr marL="514350" indent="-514350">
+              <a:buFont typeface="+mj-lt"/>
+              <a:buAutoNum type="arabicPeriod"/>
+            </a:pPr>
+            <a:endParaRPr lang="en-US" altLang="ja-JP" dirty="0"/>
+          </a:p>
+          <a:p>
+            <a:pPr marL="514350" indent="-514350">
+              <a:buFont typeface="+mj-lt"/>
+              <a:buAutoNum type="arabicPeriod"/>
+            </a:pPr>
+            <a:endParaRPr lang="en-US" altLang="ja-JP" dirty="0"/>
+          </a:p>
+          <a:p>
+            <a:pPr marL="514350" indent="-514350">
+              <a:buFont typeface="+mj-lt"/>
+              <a:buAutoNum type="arabicPeriod"/>
+            </a:pPr>
+            <a:endParaRPr lang="en" altLang="ja-JP" dirty="0"/>
+          </a:p>
+          <a:p>
+            <a:endParaRPr lang="en" altLang="ja-JP" dirty="0"/>
+          </a:p>
+          <a:p>
+            <a:endParaRPr lang="en-US" altLang="ja-JP" dirty="0"/>
+          </a:p>
+        </p:txBody>
+      </p:sp>
+    </p:spTree>
+    <p:extLst>
+      <p:ext uri="{BB962C8B-B14F-4D97-AF65-F5344CB8AC3E}">
+        <p14:creationId xmlns:p14="http://schemas.microsoft.com/office/powerpoint/2010/main" val="814001764"/>
+      </p:ext>
+    </p:extLst>
+  </p:cSld>
+  <p:clrMapOvr>
+    <a:masterClrMapping/>
+  </p:clrMapOvr>
+</p:sld>
+</file>
+
+<file path=ppt/slides/slide9.xml><?xml version="1.0" encoding="utf-8"?>
+<p:sld xmlns:a="http://schemas.openxmlformats.org/drawingml/2006/main" xmlns:r="http://schemas.openxmlformats.org/officeDocument/2006/relationships" xmlns:p="http://schemas.openxmlformats.org/presentationml/2006/main">
+  <p:cSld>
+    <p:spTree>
+      <p:nvGrpSpPr>
+        <p:cNvPr id="1" name=""/>
+        <p:cNvGrpSpPr/>
+        <p:nvPr/>
+      </p:nvGrpSpPr>
+      <p:grpSpPr>
+        <a:xfrm>
+          <a:off x="0" y="0"/>
+          <a:ext cx="0" cy="0"/>
+          <a:chOff x="0" y="0"/>
+          <a:chExt cx="0" cy="0"/>
+        </a:xfrm>
+      </p:grpSpPr>
+      <p:sp>
+        <p:nvSpPr>
+          <p:cNvPr id="2" name="タイトル 1">
+            <a:extLst>
+              <a:ext uri="{FF2B5EF4-FFF2-40B4-BE49-F238E27FC236}">
+                <a16:creationId xmlns:a16="http://schemas.microsoft.com/office/drawing/2014/main" id="{B65B563C-1856-A64E-899E-AC7B4F9EAC3A}"/>
+              </a:ext>
+            </a:extLst>
+          </p:cNvPr>
+          <p:cNvSpPr>
+            <a:spLocks noGrp="1"/>
+          </p:cNvSpPr>
+          <p:nvPr>
+            <p:ph type="title"/>
+          </p:nvPr>
+        </p:nvSpPr>
+        <p:spPr>
+          <a:xfrm>
+            <a:off x="838199" y="365125"/>
+            <a:ext cx="9296401" cy="1325563"/>
+          </a:xfrm>
+        </p:spPr>
+        <p:txBody>
+          <a:bodyPr>
+            <a:normAutofit/>
+          </a:bodyPr>
+          <a:lstStyle/>
+          <a:p>
+            <a:r>
+              <a:rPr lang="ja-JP" altLang="en-US"/>
+              <a:t>気づき・感想</a:t>
+            </a:r>
+            <a:r>
+              <a:rPr lang="en-US" altLang="ja-JP" dirty="0"/>
+              <a:t>(2L-2)</a:t>
+            </a:r>
+          </a:p>
+        </p:txBody>
+      </p:sp>
+      <p:sp>
+        <p:nvSpPr>
+          <p:cNvPr id="3" name="コンテンツ プレースホルダー 2">
+            <a:extLst>
+              <a:ext uri="{FF2B5EF4-FFF2-40B4-BE49-F238E27FC236}">
+                <a16:creationId xmlns:a16="http://schemas.microsoft.com/office/drawing/2014/main" id="{4D3AC4FE-28AC-6141-81A8-A8BB610D1512}"/>
+              </a:ext>
+            </a:extLst>
+          </p:cNvPr>
+          <p:cNvSpPr>
+            <a:spLocks noGrp="1"/>
+          </p:cNvSpPr>
+          <p:nvPr>
+            <p:ph idx="1"/>
+          </p:nvPr>
+        </p:nvSpPr>
+        <p:spPr>
+          <a:xfrm>
+            <a:off x="838200" y="2506662"/>
+            <a:ext cx="10515600" cy="3589338"/>
+          </a:xfrm>
+        </p:spPr>
+        <p:txBody>
+          <a:bodyPr/>
+          <a:lstStyle/>
+          <a:p>
             <a:r>
               <a:rPr lang="ja-JP" altLang="en-US"/>
               <a:t>このサイクル自体を何かで説明したい</a:t>
@@ -4794,10 +5171,9 @@
               <a:t>ディレクトリ名、パス、誤差関数</a:t>
             </a:r>
             <a:r>
-              <a:rPr lang="en-US" altLang="ja-JP"/>
+              <a:rPr lang="en-US" altLang="ja-JP" dirty="0"/>
               <a:t>}</a:t>
             </a:r>
-            <a:endParaRPr lang="en-US" altLang="ja-JP" dirty="0"/>
           </a:p>
           <a:p>
             <a:endParaRPr lang="en-US" altLang="ja-JP" dirty="0"/>
